--- a/Capstone Project 2.pptx
+++ b/Capstone Project 2.pptx
@@ -6654,14 +6654,14 @@
           <p:nvPr>
             <p:extLst>
               <p:ext uri="{D42A27DB-BD31-4B8C-83A1-F6EECF244321}">
-                <p14:modId xmlns:p14="http://schemas.microsoft.com/office/powerpoint/2010/main" val="3517853116"/>
+                <p14:modId xmlns:p14="http://schemas.microsoft.com/office/powerpoint/2010/main" val="2650535491"/>
               </p:ext>
             </p:extLst>
           </p:nvPr>
         </p:nvGraphicFramePr>
         <p:xfrm>
           <a:off x="3145186" y="1892484"/>
-          <a:ext cx="6277114" cy="3474720"/>
+          <a:ext cx="6277114" cy="3200400"/>
         </p:xfrm>
         <a:graphic>
           <a:graphicData uri="http://schemas.openxmlformats.org/drawingml/2006/table">
@@ -7052,11 +7052,7 @@
                       <a:pPr algn="ctr"/>
                       <a:r>
                         <a:rPr lang="en-US" sz="2400" dirty="0" smtClean="0"/>
-                        <a:t>UNSUPERVISED</a:t>
-                      </a:r>
-                      <a:r>
-                        <a:rPr lang="en-US" sz="2400" baseline="0" dirty="0" smtClean="0"/>
-                        <a:t> LEARNING RESULTS Pt1</a:t>
+                        <a:t>BASELINE</a:t>
                       </a:r>
                       <a:endParaRPr lang="en-US" sz="2400" dirty="0"/>
                     </a:p>
@@ -7101,7 +7097,7 @@
                   </a:tcPr>
                 </a:tc>
               </a:tr>
-              <a:tr h="370840">
+              <a:tr h="228600">
                 <a:tc>
                   <a:txBody>
                     <a:bodyPr/>
@@ -7180,13 +7176,135 @@
                       </a:pPr>
                       <a:r>
                         <a:rPr lang="en-US" sz="2400" dirty="0" smtClean="0"/>
-                        <a:t>UNSUPERVISED</a:t>
+                        <a:t>SUPERVISED</a:t>
                       </a:r>
                       <a:r>
                         <a:rPr lang="en-US" sz="2400" baseline="0" dirty="0" smtClean="0"/>
-                        <a:t> LEARNING RESULTS Pt2</a:t>
+                        <a:t> LEARNING RESULTS</a:t>
                       </a:r>
-                      <a:endParaRPr lang="en-US" sz="2400" dirty="0" smtClean="0"/>
+                    </a:p>
+                  </a:txBody>
+                  <a:tcPr>
+                    <a:lnL w="12700" cap="flat" cmpd="sng" algn="ctr">
+                      <a:solidFill>
+                        <a:schemeClr val="tx1"/>
+                      </a:solidFill>
+                      <a:prstDash val="solid"/>
+                      <a:round/>
+                      <a:headEnd type="none" w="med" len="med"/>
+                      <a:tailEnd type="none" w="med" len="med"/>
+                    </a:lnL>
+                    <a:lnR w="12700" cap="flat" cmpd="sng" algn="ctr">
+                      <a:solidFill>
+                        <a:schemeClr val="tx1"/>
+                      </a:solidFill>
+                      <a:prstDash val="solid"/>
+                      <a:round/>
+                      <a:headEnd type="none" w="med" len="med"/>
+                      <a:tailEnd type="none" w="med" len="med"/>
+                    </a:lnR>
+                    <a:lnT w="12700" cap="flat" cmpd="sng" algn="ctr">
+                      <a:solidFill>
+                        <a:schemeClr val="tx1"/>
+                      </a:solidFill>
+                      <a:prstDash val="solid"/>
+                      <a:round/>
+                      <a:headEnd type="none" w="med" len="med"/>
+                      <a:tailEnd type="none" w="med" len="med"/>
+                    </a:lnT>
+                    <a:lnB w="12700" cap="flat" cmpd="sng" algn="ctr">
+                      <a:solidFill>
+                        <a:schemeClr val="tx1"/>
+                      </a:solidFill>
+                      <a:prstDash val="solid"/>
+                      <a:round/>
+                      <a:headEnd type="none" w="med" len="med"/>
+                      <a:tailEnd type="none" w="med" len="med"/>
+                    </a:lnB>
+                  </a:tcPr>
+                </a:tc>
+              </a:tr>
+              <a:tr h="228600">
+                <a:tc>
+                  <a:txBody>
+                    <a:bodyPr/>
+                    <a:lstStyle/>
+                    <a:p>
+                      <a:pPr algn="ctr"/>
+                      <a:r>
+                        <a:rPr lang="en-US" sz="2400" dirty="0" smtClean="0"/>
+                        <a:t>8</a:t>
+                      </a:r>
+                      <a:endParaRPr lang="en-US" sz="2400" dirty="0"/>
+                    </a:p>
+                  </a:txBody>
+                  <a:tcPr>
+                    <a:lnL w="12700" cap="flat" cmpd="sng" algn="ctr">
+                      <a:solidFill>
+                        <a:schemeClr val="tx1"/>
+                      </a:solidFill>
+                      <a:prstDash val="solid"/>
+                      <a:round/>
+                      <a:headEnd type="none" w="med" len="med"/>
+                      <a:tailEnd type="none" w="med" len="med"/>
+                    </a:lnL>
+                    <a:lnR w="12700" cap="flat" cmpd="sng" algn="ctr">
+                      <a:solidFill>
+                        <a:schemeClr val="tx1"/>
+                      </a:solidFill>
+                      <a:prstDash val="solid"/>
+                      <a:round/>
+                      <a:headEnd type="none" w="med" len="med"/>
+                      <a:tailEnd type="none" w="med" len="med"/>
+                    </a:lnR>
+                    <a:lnT w="12700" cap="flat" cmpd="sng" algn="ctr">
+                      <a:solidFill>
+                        <a:schemeClr val="tx1"/>
+                      </a:solidFill>
+                      <a:prstDash val="solid"/>
+                      <a:round/>
+                      <a:headEnd type="none" w="med" len="med"/>
+                      <a:tailEnd type="none" w="med" len="med"/>
+                    </a:lnT>
+                    <a:lnB w="12700" cap="flat" cmpd="sng" algn="ctr">
+                      <a:solidFill>
+                        <a:schemeClr val="tx1"/>
+                      </a:solidFill>
+                      <a:prstDash val="solid"/>
+                      <a:round/>
+                      <a:headEnd type="none" w="med" len="med"/>
+                      <a:tailEnd type="none" w="med" len="med"/>
+                    </a:lnB>
+                  </a:tcPr>
+                </a:tc>
+                <a:tc>
+                  <a:txBody>
+                    <a:bodyPr/>
+                    <a:lstStyle/>
+                    <a:p>
+                      <a:pPr marL="0" marR="0" lvl="0" indent="0" algn="ctr" defTabSz="914400" rtl="0" eaLnBrk="1" fontAlgn="auto" latinLnBrk="0" hangingPunct="1">
+                        <a:lnSpc>
+                          <a:spcPct val="100000"/>
+                        </a:lnSpc>
+                        <a:spcBef>
+                          <a:spcPts val="0"/>
+                        </a:spcBef>
+                        <a:spcAft>
+                          <a:spcPts val="0"/>
+                        </a:spcAft>
+                        <a:buClr>
+                          <a:srgbClr val="000000"/>
+                        </a:buClr>
+                        <a:buSzTx/>
+                        <a:buFont typeface="Arial"/>
+                        <a:buNone/>
+                        <a:tabLst/>
+                        <a:defRPr/>
+                      </a:pPr>
+                      <a:r>
+                        <a:rPr lang="en-US" sz="2400" baseline="0" dirty="0" smtClean="0"/>
+                        <a:t>XGBOOST – CLOSER LOOK</a:t>
+                      </a:r>
                     </a:p>
                   </a:txBody>
                   <a:tcPr>
@@ -7238,7 +7356,7 @@
                       <a:pPr algn="ctr"/>
                       <a:r>
                         <a:rPr lang="en-US" sz="2400" dirty="0" smtClean="0"/>
-                        <a:t>8</a:t>
+                        <a:t>9</a:t>
                       </a:r>
                       <a:endParaRPr lang="en-US" sz="2400" dirty="0"/>
                     </a:p>
@@ -8109,7 +8227,7 @@
       </p:sp>
       <p:pic>
         <p:nvPicPr>
-          <p:cNvPr id="5" name="Picture 4"/>
+          <p:cNvPr id="7" name="Picture 6"/>
           <p:cNvPicPr>
             <a:picLocks noChangeAspect="1"/>
           </p:cNvPicPr>
@@ -8123,8 +8241,8 @@
         </p:blipFill>
         <p:spPr>
           <a:xfrm>
-            <a:off x="1423651" y="3429000"/>
-            <a:ext cx="9172575" cy="1209675"/>
+            <a:off x="1069521" y="3294204"/>
+            <a:ext cx="9496425" cy="1752600"/>
           </a:xfrm>
           <a:prstGeom prst="rect">
             <a:avLst/>
@@ -9145,7 +9263,7 @@
           <a:p>
             <a:r>
               <a:rPr lang="en-US" sz="3200" dirty="0" smtClean="0"/>
-              <a:t>Baseline</a:t>
+              <a:t>BASELINE</a:t>
             </a:r>
             <a:endParaRPr lang="en-US" sz="3200" dirty="0"/>
           </a:p>
@@ -9215,7 +9333,7 @@
         </p:blipFill>
         <p:spPr>
           <a:xfrm>
-            <a:off x="785497" y="5238594"/>
+            <a:off x="785497" y="5274266"/>
             <a:ext cx="1638300" cy="600075"/>
           </a:xfrm>
           <a:prstGeom prst="rect">
@@ -11104,7 +11222,25 @@
                 <a:cs typeface="Calibri"/>
                 <a:sym typeface="Calibri"/>
               </a:rPr>
-              <a:t> can be used in the application approval model used by an online retail lending firm. </a:t>
+              <a:t> can be used as a preliminary application model by </a:t>
+            </a:r>
+            <a:r>
+              <a:rPr lang="en-US" sz="1800" dirty="0" err="1" smtClean="0">
+                <a:latin typeface="Calibri"/>
+                <a:ea typeface="Calibri"/>
+                <a:cs typeface="Calibri"/>
+                <a:sym typeface="Calibri"/>
+              </a:rPr>
+              <a:t>LendingClub</a:t>
+            </a:r>
+            <a:r>
+              <a:rPr lang="en-US" sz="1800" dirty="0" smtClean="0">
+                <a:latin typeface="Calibri"/>
+                <a:ea typeface="Calibri"/>
+                <a:cs typeface="Calibri"/>
+                <a:sym typeface="Calibri"/>
+              </a:rPr>
+              <a:t>.</a:t>
             </a:r>
           </a:p>
           <a:p>
@@ -11149,23 +11285,8 @@
                 <a:cs typeface="Calibri"/>
                 <a:sym typeface="Calibri"/>
               </a:rPr>
-              <a:t>Additional areas of expansion would be to get more data for rejection dataset as there are very few features available relative to </a:t>
+              <a:t>Additional areas of expansion would be to get more data for rejection dataset as there are very few features available relative to the approved dataset.  </a:t>
             </a:r>
-            <a:r>
-              <a:rPr lang="en-US" sz="1800" smtClean="0">
-                <a:latin typeface="Calibri"/>
-                <a:ea typeface="Calibri"/>
-                <a:cs typeface="Calibri"/>
-                <a:sym typeface="Calibri"/>
-              </a:rPr>
-              <a:t>the approved dataset.  </a:t>
-            </a:r>
-            <a:endParaRPr lang="en-US" sz="1800" dirty="0" smtClean="0">
-              <a:latin typeface="Calibri"/>
-              <a:ea typeface="Calibri"/>
-              <a:cs typeface="Calibri"/>
-              <a:sym typeface="Calibri"/>
-            </a:endParaRPr>
           </a:p>
           <a:p>
             <a:pPr marL="184150" marR="5080" lvl="0" indent="-171450" algn="just" rtl="0">
